--- a/lectures/14/1_Presentation Day.pptx
+++ b/lectures/14/1_Presentation Day.pptx
@@ -217,7 +217,7 @@
           <a:p>
             <a:fld id="{73B2889B-A0AC-4482-8592-5C96F2309420}" type="datetimeFigureOut">
               <a:rPr lang="en-US" smtClean="0"/>
-              <a:t>10/23/2021</a:t>
+              <a:t>11/9/2021</a:t>
             </a:fld>
             <a:endParaRPr lang="en-US"/>
           </a:p>
@@ -394,7 +394,7 @@
           <a:p>
             <a:fld id="{830EB223-FFC0-462A-A3B8-EAA7CE0F8CBD}" type="datetimeFigureOut">
               <a:rPr lang="en-US" smtClean="0"/>
-              <a:t>10/23/2021</a:t>
+              <a:t>11/9/2021</a:t>
             </a:fld>
             <a:endParaRPr lang="en-US" dirty="0"/>
           </a:p>
@@ -705,6 +705,10 @@
           <a:bodyPr/>
           <a:lstStyle/>
           <a:p>
+            <a:r>
+              <a:rPr lang="en-US"/>
+              <a:t>https://docs.google.com/spreadsheets/d/1EmvxRjSobmu4Wcl0rrez1PjnlX6ky3J7pRfFn-Hjw1w/edit#gid=0</a:t>
+            </a:r>
             <a:endParaRPr lang="en-US" dirty="0"/>
           </a:p>
         </p:txBody>
@@ -892,7 +896,7 @@
           <a:p>
             <a:fld id="{DECF21A4-E71B-4D3A-AF45-E989C23A7BB1}" type="datetimeFigureOut">
               <a:rPr lang="en-US" smtClean="0"/>
-              <a:t>10/23/2021</a:t>
+              <a:t>11/9/2021</a:t>
             </a:fld>
             <a:endParaRPr lang="en-US" dirty="0"/>
           </a:p>
@@ -1090,7 +1094,7 @@
           <a:p>
             <a:fld id="{DECF21A4-E71B-4D3A-AF45-E989C23A7BB1}" type="datetimeFigureOut">
               <a:rPr lang="en-US" smtClean="0"/>
-              <a:t>10/23/2021</a:t>
+              <a:t>11/9/2021</a:t>
             </a:fld>
             <a:endParaRPr lang="en-US" dirty="0"/>
           </a:p>
@@ -1298,7 +1302,7 @@
           <a:p>
             <a:fld id="{DECF21A4-E71B-4D3A-AF45-E989C23A7BB1}" type="datetimeFigureOut">
               <a:rPr lang="en-US" smtClean="0"/>
-              <a:t>10/23/2021</a:t>
+              <a:t>11/9/2021</a:t>
             </a:fld>
             <a:endParaRPr lang="en-US" dirty="0"/>
           </a:p>
@@ -1496,7 +1500,7 @@
           <a:p>
             <a:fld id="{DECF21A4-E71B-4D3A-AF45-E989C23A7BB1}" type="datetimeFigureOut">
               <a:rPr lang="en-US" smtClean="0"/>
-              <a:t>10/23/2021</a:t>
+              <a:t>11/9/2021</a:t>
             </a:fld>
             <a:endParaRPr lang="en-US" dirty="0"/>
           </a:p>
@@ -1771,7 +1775,7 @@
           <a:p>
             <a:fld id="{DECF21A4-E71B-4D3A-AF45-E989C23A7BB1}" type="datetimeFigureOut">
               <a:rPr lang="en-US" smtClean="0"/>
-              <a:t>10/23/2021</a:t>
+              <a:t>11/9/2021</a:t>
             </a:fld>
             <a:endParaRPr lang="en-US" dirty="0"/>
           </a:p>
@@ -2036,7 +2040,7 @@
           <a:p>
             <a:fld id="{DECF21A4-E71B-4D3A-AF45-E989C23A7BB1}" type="datetimeFigureOut">
               <a:rPr lang="en-US" smtClean="0"/>
-              <a:t>10/23/2021</a:t>
+              <a:t>11/9/2021</a:t>
             </a:fld>
             <a:endParaRPr lang="en-US" dirty="0"/>
           </a:p>
@@ -2448,7 +2452,7 @@
           <a:p>
             <a:fld id="{DECF21A4-E71B-4D3A-AF45-E989C23A7BB1}" type="datetimeFigureOut">
               <a:rPr lang="en-US" smtClean="0"/>
-              <a:t>10/23/2021</a:t>
+              <a:t>11/9/2021</a:t>
             </a:fld>
             <a:endParaRPr lang="en-US" dirty="0"/>
           </a:p>
@@ -2589,7 +2593,7 @@
           <a:p>
             <a:fld id="{DECF21A4-E71B-4D3A-AF45-E989C23A7BB1}" type="datetimeFigureOut">
               <a:rPr lang="en-US" smtClean="0"/>
-              <a:t>10/23/2021</a:t>
+              <a:t>11/9/2021</a:t>
             </a:fld>
             <a:endParaRPr lang="en-US" dirty="0"/>
           </a:p>
@@ -2702,7 +2706,7 @@
           <a:p>
             <a:fld id="{DECF21A4-E71B-4D3A-AF45-E989C23A7BB1}" type="datetimeFigureOut">
               <a:rPr lang="en-US" smtClean="0"/>
-              <a:t>10/23/2021</a:t>
+              <a:t>11/9/2021</a:t>
             </a:fld>
             <a:endParaRPr lang="en-US" dirty="0"/>
           </a:p>
@@ -3013,7 +3017,7 @@
           <a:p>
             <a:fld id="{DECF21A4-E71B-4D3A-AF45-E989C23A7BB1}" type="datetimeFigureOut">
               <a:rPr lang="en-US" smtClean="0"/>
-              <a:t>10/23/2021</a:t>
+              <a:t>11/9/2021</a:t>
             </a:fld>
             <a:endParaRPr lang="en-US" dirty="0"/>
           </a:p>
@@ -3305,7 +3309,7 @@
           <a:p>
             <a:fld id="{DECF21A4-E71B-4D3A-AF45-E989C23A7BB1}" type="datetimeFigureOut">
               <a:rPr lang="en-US" smtClean="0"/>
-              <a:t>10/23/2021</a:t>
+              <a:t>11/9/2021</a:t>
             </a:fld>
             <a:endParaRPr lang="en-US" dirty="0"/>
           </a:p>
@@ -3546,7 +3550,7 @@
           <a:p>
             <a:fld id="{DECF21A4-E71B-4D3A-AF45-E989C23A7BB1}" type="datetimeFigureOut">
               <a:rPr lang="en-US" smtClean="0"/>
-              <a:t>10/23/2021</a:t>
+              <a:t>11/9/2021</a:t>
             </a:fld>
             <a:endParaRPr lang="en-US" dirty="0"/>
           </a:p>
@@ -6461,6 +6465,23 @@
 </file>
 
 <file path=customXml/item1.xml><?xml version="1.0" encoding="utf-8"?>
+<?mso-contentType ?>
+<FormTemplates xmlns="http://schemas.microsoft.com/sharepoint/v3/contenttype/forms">
+  <Display>DocumentLibraryForm</Display>
+  <Edit>DocumentLibraryForm</Edit>
+  <New>DocumentLibraryForm</New>
+</FormTemplates>
+</file>
+
+<file path=customXml/item2.xml><?xml version="1.0" encoding="utf-8"?>
+<p:properties xmlns:p="http://schemas.microsoft.com/office/2006/metadata/properties" xmlns:xsi="http://www.w3.org/2001/XMLSchema-instance" xmlns:pc="http://schemas.microsoft.com/office/infopath/2007/PartnerControls">
+  <documentManagement>
+    <MediaServiceKeyPoints xmlns="71af3243-3dd4-4a8d-8c0d-dd76da1f02a5" xsi:nil="true"/>
+  </documentManagement>
+</p:properties>
+</file>
+
+<file path=customXml/item3.xml><?xml version="1.0" encoding="utf-8"?>
 <ct:contentTypeSchema xmlns:ct="http://schemas.microsoft.com/office/2006/metadata/contentType" xmlns:ma="http://schemas.microsoft.com/office/2006/metadata/properties/metaAttributes" ct:_="" ma:_="" ma:contentTypeName="Document" ma:contentTypeID="0x01010079F111ED35F8CC479449609E8A0923A6" ma:contentTypeVersion="11" ma:contentTypeDescription="Create a new document." ma:contentTypeScope="" ma:versionID="96291512c1ee715ab617f4c07df79fc1">
   <xsd:schema xmlns:xsd="http://www.w3.org/2001/XMLSchema" xmlns:xs="http://www.w3.org/2001/XMLSchema" xmlns:p="http://schemas.microsoft.com/office/2006/metadata/properties" xmlns:ns2="71af3243-3dd4-4a8d-8c0d-dd76da1f02a5" xmlns:ns3="16c05727-aa75-4e4a-9b5f-8a80a1165891" targetNamespace="http://schemas.microsoft.com/office/2006/metadata/properties" ma:root="true" ma:fieldsID="8256c27c40ca5c40ce1cf6c44f0205df" ns2:_="" ns3:_="">
     <xsd:import namespace="71af3243-3dd4-4a8d-8c0d-dd76da1f02a5"/>
@@ -6671,24 +6692,25 @@
 </ct:contentTypeSchema>
 </file>
 
-<file path=customXml/item2.xml><?xml version="1.0" encoding="utf-8"?>
-<p:properties xmlns:p="http://schemas.microsoft.com/office/2006/metadata/properties" xmlns:xsi="http://www.w3.org/2001/XMLSchema-instance" xmlns:pc="http://schemas.microsoft.com/office/infopath/2007/PartnerControls">
-  <documentManagement>
-    <MediaServiceKeyPoints xmlns="71af3243-3dd4-4a8d-8c0d-dd76da1f02a5" xsi:nil="true"/>
-  </documentManagement>
-</p:properties>
+<file path=customXml/itemProps1.xml><?xml version="1.0" encoding="utf-8"?>
+<ds:datastoreItem xmlns:ds="http://schemas.openxmlformats.org/officeDocument/2006/customXml" ds:itemID="{5CA875DA-F9FD-4F83-A049-3B1027B542DE}">
+  <ds:schemaRefs>
+    <ds:schemaRef ds:uri="http://schemas.microsoft.com/sharepoint/v3/contenttype/forms"/>
+  </ds:schemaRefs>
+</ds:datastoreItem>
 </file>
 
-<file path=customXml/item3.xml><?xml version="1.0" encoding="utf-8"?>
-<?mso-contentType ?>
-<FormTemplates xmlns="http://schemas.microsoft.com/sharepoint/v3/contenttype/forms">
-  <Display>DocumentLibraryForm</Display>
-  <Edit>DocumentLibraryForm</Edit>
-  <New>DocumentLibraryForm</New>
-</FormTemplates>
+<file path=customXml/itemProps2.xml><?xml version="1.0" encoding="utf-8"?>
+<ds:datastoreItem xmlns:ds="http://schemas.openxmlformats.org/officeDocument/2006/customXml" ds:itemID="{03C7D9E6-B0D9-433E-BD46-EB60F64F4DA8}">
+  <ds:schemaRefs>
+    <ds:schemaRef ds:uri="http://schemas.microsoft.com/office/2006/metadata/properties"/>
+    <ds:schemaRef ds:uri="http://schemas.microsoft.com/office/infopath/2007/PartnerControls"/>
+    <ds:schemaRef ds:uri="71af3243-3dd4-4a8d-8c0d-dd76da1f02a5"/>
+  </ds:schemaRefs>
+</ds:datastoreItem>
 </file>
 
-<file path=customXml/itemProps1.xml><?xml version="1.0" encoding="utf-8"?>
+<file path=customXml/itemProps3.xml><?xml version="1.0" encoding="utf-8"?>
 <ds:datastoreItem xmlns:ds="http://schemas.openxmlformats.org/officeDocument/2006/customXml" ds:itemID="{B2AB02E3-5ADF-4BF0-9C1B-35CDF3FE95B0}">
   <ds:schemaRefs>
     <ds:schemaRef ds:uri="http://schemas.microsoft.com/office/2006/metadata/contentType"/>
@@ -6705,22 +6727,4 @@
     <ds:schemaRef ds:uri="http://schemas.microsoft.com/internal/obd"/>
   </ds:schemaRefs>
 </ds:datastoreItem>
-</file>
-
-<file path=customXml/itemProps2.xml><?xml version="1.0" encoding="utf-8"?>
-<ds:datastoreItem xmlns:ds="http://schemas.openxmlformats.org/officeDocument/2006/customXml" ds:itemID="{03C7D9E6-B0D9-433E-BD46-EB60F64F4DA8}">
-  <ds:schemaRefs>
-    <ds:schemaRef ds:uri="http://schemas.microsoft.com/office/2006/metadata/properties"/>
-    <ds:schemaRef ds:uri="http://schemas.microsoft.com/office/infopath/2007/PartnerControls"/>
-    <ds:schemaRef ds:uri="71af3243-3dd4-4a8d-8c0d-dd76da1f02a5"/>
-  </ds:schemaRefs>
-</ds:datastoreItem>
-</file>
-
-<file path=customXml/itemProps3.xml><?xml version="1.0" encoding="utf-8"?>
-<ds:datastoreItem xmlns:ds="http://schemas.openxmlformats.org/officeDocument/2006/customXml" ds:itemID="{5CA875DA-F9FD-4F83-A049-3B1027B542DE}">
-  <ds:schemaRefs>
-    <ds:schemaRef ds:uri="http://schemas.microsoft.com/sharepoint/v3/contenttype/forms"/>
-  </ds:schemaRefs>
-</ds:datastoreItem>
 </file>
--- a/lectures/14/1_Presentation Day.pptx
+++ b/lectures/14/1_Presentation Day.pptx
@@ -12,8 +12,8 @@
   </p:handoutMasterIdLst>
   <p:sldIdLst>
     <p:sldId id="256" r:id="rId5"/>
-    <p:sldId id="257" r:id="rId6"/>
-    <p:sldId id="258" r:id="rId7"/>
+    <p:sldId id="263" r:id="rId6"/>
+    <p:sldId id="262" r:id="rId7"/>
   </p:sldIdLst>
   <p:sldSz cx="12192000" cy="6858000"/>
   <p:notesSz cx="6858000" cy="9144000"/>
@@ -217,7 +217,7 @@
           <a:p>
             <a:fld id="{73B2889B-A0AC-4482-8592-5C96F2309420}" type="datetimeFigureOut">
               <a:rPr lang="en-US" smtClean="0"/>
-              <a:t>11/9/2021</a:t>
+              <a:t>11/14/2021</a:t>
             </a:fld>
             <a:endParaRPr lang="en-US"/>
           </a:p>
@@ -394,7 +394,7 @@
           <a:p>
             <a:fld id="{830EB223-FFC0-462A-A3B8-EAA7CE0F8CBD}" type="datetimeFigureOut">
               <a:rPr lang="en-US" smtClean="0"/>
-              <a:t>11/9/2021</a:t>
+              <a:t>11/14/2021</a:t>
             </a:fld>
             <a:endParaRPr lang="en-US" dirty="0"/>
           </a:p>
@@ -749,6 +749,361 @@
 </p:notes>
 </file>
 
+<file path=ppt/notesSlides/notesSlide2.xml><?xml version="1.0" encoding="utf-8"?>
+<p:notes xmlns:a="http://schemas.openxmlformats.org/drawingml/2006/main" xmlns:r="http://schemas.openxmlformats.org/officeDocument/2006/relationships" xmlns:p="http://schemas.openxmlformats.org/presentationml/2006/main">
+  <p:cSld>
+    <p:spTree>
+      <p:nvGrpSpPr>
+        <p:cNvPr id="1" name=""/>
+        <p:cNvGrpSpPr/>
+        <p:nvPr/>
+      </p:nvGrpSpPr>
+      <p:grpSpPr>
+        <a:xfrm>
+          <a:off x="0" y="0"/>
+          <a:ext cx="0" cy="0"/>
+          <a:chOff x="0" y="0"/>
+          <a:chExt cx="0" cy="0"/>
+        </a:xfrm>
+      </p:grpSpPr>
+      <p:sp>
+        <p:nvSpPr>
+          <p:cNvPr id="2" name="Slide Image Placeholder 1"/>
+          <p:cNvSpPr>
+            <a:spLocks noGrp="1" noRot="1" noChangeAspect="1"/>
+          </p:cNvSpPr>
+          <p:nvPr>
+            <p:ph type="sldImg"/>
+          </p:nvPr>
+        </p:nvSpPr>
+        <p:spPr/>
+      </p:sp>
+      <p:sp>
+        <p:nvSpPr>
+          <p:cNvPr id="3" name="Notes Placeholder 2"/>
+          <p:cNvSpPr>
+            <a:spLocks noGrp="1"/>
+          </p:cNvSpPr>
+          <p:nvPr>
+            <p:ph type="body" idx="1"/>
+          </p:nvPr>
+        </p:nvSpPr>
+        <p:spPr/>
+        <p:txBody>
+          <a:bodyPr/>
+          <a:lstStyle/>
+          <a:p>
+            <a:r>
+              <a:rPr lang="en-US" dirty="0"/>
+              <a:t>Go to assignment 11, presentation critique, </a:t>
+            </a:r>
+          </a:p>
+          <a:p>
+            <a:r>
+              <a:rPr lang="en-US" dirty="0"/>
+              <a:t>Click </a:t>
+            </a:r>
+            <a:r>
+              <a:rPr lang="en-US" dirty="0" err="1"/>
+              <a:t>qualtircs</a:t>
+            </a:r>
+            <a:r>
+              <a:rPr lang="en-US" dirty="0"/>
+              <a:t> survey </a:t>
+            </a:r>
+          </a:p>
+          <a:p>
+            <a:endParaRPr lang="en-US" dirty="0"/>
+          </a:p>
+          <a:p>
+            <a:endParaRPr lang="en-US" dirty="0"/>
+          </a:p>
+        </p:txBody>
+      </p:sp>
+      <p:sp>
+        <p:nvSpPr>
+          <p:cNvPr id="4" name="Slide Number Placeholder 3"/>
+          <p:cNvSpPr>
+            <a:spLocks noGrp="1"/>
+          </p:cNvSpPr>
+          <p:nvPr>
+            <p:ph type="sldNum" sz="quarter" idx="5"/>
+          </p:nvPr>
+        </p:nvSpPr>
+        <p:spPr/>
+        <p:txBody>
+          <a:bodyPr/>
+          <a:lstStyle/>
+          <a:p>
+            <a:fld id="{BC849E9A-41F7-4779-A581-48A7C374A227}" type="slidenum">
+              <a:rPr lang="en-US" smtClean="0"/>
+              <a:t>2</a:t>
+            </a:fld>
+            <a:endParaRPr lang="en-US" dirty="0"/>
+          </a:p>
+        </p:txBody>
+      </p:sp>
+    </p:spTree>
+    <p:extLst>
+      <p:ext uri="{BB962C8B-B14F-4D97-AF65-F5344CB8AC3E}">
+        <p14:creationId xmlns:p14="http://schemas.microsoft.com/office/powerpoint/2010/main" val="1599696011"/>
+      </p:ext>
+    </p:extLst>
+  </p:cSld>
+  <p:clrMapOvr>
+    <a:masterClrMapping/>
+  </p:clrMapOvr>
+</p:notes>
+</file>
+
+<file path=ppt/notesSlides/notesSlide3.xml><?xml version="1.0" encoding="utf-8"?>
+<p:notes xmlns:a="http://schemas.openxmlformats.org/drawingml/2006/main" xmlns:r="http://schemas.openxmlformats.org/officeDocument/2006/relationships" xmlns:p="http://schemas.openxmlformats.org/presentationml/2006/main">
+  <p:cSld>
+    <p:spTree>
+      <p:nvGrpSpPr>
+        <p:cNvPr id="1" name=""/>
+        <p:cNvGrpSpPr/>
+        <p:nvPr/>
+      </p:nvGrpSpPr>
+      <p:grpSpPr>
+        <a:xfrm>
+          <a:off x="0" y="0"/>
+          <a:ext cx="0" cy="0"/>
+          <a:chOff x="0" y="0"/>
+          <a:chExt cx="0" cy="0"/>
+        </a:xfrm>
+      </p:grpSpPr>
+      <p:sp>
+        <p:nvSpPr>
+          <p:cNvPr id="2" name="Slide Image Placeholder 1"/>
+          <p:cNvSpPr>
+            <a:spLocks noGrp="1" noRot="1" noChangeAspect="1"/>
+          </p:cNvSpPr>
+          <p:nvPr>
+            <p:ph type="sldImg"/>
+          </p:nvPr>
+        </p:nvSpPr>
+        <p:spPr/>
+      </p:sp>
+      <p:sp>
+        <p:nvSpPr>
+          <p:cNvPr id="3" name="Notes Placeholder 2"/>
+          <p:cNvSpPr>
+            <a:spLocks noGrp="1"/>
+          </p:cNvSpPr>
+          <p:nvPr>
+            <p:ph type="body" idx="1"/>
+          </p:nvPr>
+        </p:nvSpPr>
+        <p:spPr/>
+        <p:txBody>
+          <a:bodyPr/>
+          <a:lstStyle/>
+          <a:p>
+            <a:r>
+              <a:rPr lang="en-US" dirty="0"/>
+              <a:t>Please remember that for the first 3 groups, I will be more lenient because they go first. </a:t>
+            </a:r>
+          </a:p>
+          <a:p>
+            <a:endParaRPr lang="en-US" dirty="0"/>
+          </a:p>
+          <a:p>
+            <a:r>
+              <a:rPr lang="en-US" dirty="0"/>
+              <a:t>You don’t need suit and tie, but since this is a business presentation, hence professional dress is expected. </a:t>
+            </a:r>
+          </a:p>
+          <a:p>
+            <a:endParaRPr lang="en-US" dirty="0"/>
+          </a:p>
+          <a:p>
+            <a:r>
+              <a:rPr lang="en-US" dirty="0"/>
+              <a:t>Remind:</a:t>
+            </a:r>
+          </a:p>
+          <a:p>
+            <a:r>
+              <a:rPr lang="en-US" dirty="0"/>
+              <a:t>Update about the order of presentation. I’ve checked with the syllabus, and the two dates are November 17</a:t>
+            </a:r>
+            <a:r>
+              <a:rPr lang="en-US" baseline="30000" dirty="0"/>
+              <a:t>th</a:t>
+            </a:r>
+            <a:r>
+              <a:rPr lang="en-US" dirty="0"/>
+              <a:t> and 29</a:t>
+            </a:r>
+            <a:r>
+              <a:rPr lang="en-US" baseline="30000" dirty="0"/>
+              <a:t>th</a:t>
+            </a:r>
+            <a:r>
+              <a:rPr lang="en-US" dirty="0"/>
+              <a:t> instead of November 29</a:t>
+            </a:r>
+            <a:r>
+              <a:rPr lang="en-US" baseline="30000" dirty="0"/>
+              <a:t>th</a:t>
+            </a:r>
+            <a:r>
+              <a:rPr lang="en-US" dirty="0"/>
+              <a:t> and December 8</a:t>
+            </a:r>
+            <a:r>
+              <a:rPr lang="en-US" baseline="30000" dirty="0"/>
+              <a:t>th</a:t>
+            </a:r>
+            <a:r>
+              <a:rPr lang="en-US" dirty="0"/>
+              <a:t> </a:t>
+            </a:r>
+          </a:p>
+          <a:p>
+            <a:pPr marL="0" marR="0" lvl="0" indent="0" algn="l" defTabSz="914400" rtl="0" eaLnBrk="1" fontAlgn="auto" latinLnBrk="0" hangingPunct="1">
+              <a:lnSpc>
+                <a:spcPct val="100000"/>
+              </a:lnSpc>
+              <a:spcBef>
+                <a:spcPts val="0"/>
+              </a:spcBef>
+              <a:spcAft>
+                <a:spcPts val="0"/>
+              </a:spcAft>
+              <a:buClrTx/>
+              <a:buSzTx/>
+              <a:buFontTx/>
+              <a:buNone/>
+              <a:tabLst/>
+              <a:defRPr/>
+            </a:pPr>
+            <a:r>
+              <a:rPr lang="en-US" dirty="0"/>
+              <a:t>I will work with groups that would like to change their date</a:t>
+            </a:r>
+          </a:p>
+          <a:p>
+            <a:pPr marL="0" marR="0" lvl="0" indent="0" algn="l" defTabSz="914400" rtl="0" eaLnBrk="1" fontAlgn="auto" latinLnBrk="0" hangingPunct="1">
+              <a:lnSpc>
+                <a:spcPct val="100000"/>
+              </a:lnSpc>
+              <a:spcBef>
+                <a:spcPts val="0"/>
+              </a:spcBef>
+              <a:spcAft>
+                <a:spcPts val="0"/>
+              </a:spcAft>
+              <a:buClrTx/>
+              <a:buSzTx/>
+              <a:buFontTx/>
+              <a:buNone/>
+              <a:tabLst/>
+              <a:defRPr/>
+            </a:pPr>
+            <a:endParaRPr lang="en-US" dirty="0"/>
+          </a:p>
+          <a:p>
+            <a:pPr marL="0" marR="0" lvl="0" indent="0" algn="l" defTabSz="914400" rtl="0" eaLnBrk="1" fontAlgn="auto" latinLnBrk="0" hangingPunct="1">
+              <a:lnSpc>
+                <a:spcPct val="100000"/>
+              </a:lnSpc>
+              <a:spcBef>
+                <a:spcPts val="0"/>
+              </a:spcBef>
+              <a:spcAft>
+                <a:spcPts val="0"/>
+              </a:spcAft>
+              <a:buClrTx/>
+              <a:buSzTx/>
+              <a:buFontTx/>
+              <a:buNone/>
+              <a:tabLst/>
+              <a:defRPr/>
+            </a:pPr>
+            <a:r>
+              <a:rPr lang="en-US" dirty="0"/>
+              <a:t>In the last class, we didn’t go over the sample slides. Today we will cover it</a:t>
+            </a:r>
+          </a:p>
+          <a:p>
+            <a:endParaRPr lang="en-US" dirty="0"/>
+          </a:p>
+          <a:p>
+            <a:r>
+              <a:rPr lang="en-US" dirty="0"/>
+              <a:t>Each team will have 20 mins </a:t>
+            </a:r>
+          </a:p>
+          <a:p>
+            <a:pPr lvl="1"/>
+            <a:r>
+              <a:rPr lang="en-US" dirty="0"/>
+              <a:t>15 mins to present the project </a:t>
+            </a:r>
+          </a:p>
+          <a:p>
+            <a:pPr lvl="1"/>
+            <a:r>
+              <a:rPr lang="en-US" dirty="0"/>
+              <a:t>5 mins for discussion and questions, evaluation</a:t>
+            </a:r>
+          </a:p>
+          <a:p>
+            <a:r>
+              <a:rPr lang="en-US" dirty="0"/>
+              <a:t>Sign-up Sheet</a:t>
+            </a:r>
+          </a:p>
+          <a:p>
+            <a:pPr lvl="1"/>
+            <a:r>
+              <a:rPr lang="en-US" dirty="0"/>
+              <a:t>2 class sessions</a:t>
+            </a:r>
+          </a:p>
+          <a:p>
+            <a:endParaRPr lang="en-US" dirty="0"/>
+          </a:p>
+        </p:txBody>
+      </p:sp>
+      <p:sp>
+        <p:nvSpPr>
+          <p:cNvPr id="4" name="Slide Number Placeholder 3"/>
+          <p:cNvSpPr>
+            <a:spLocks noGrp="1"/>
+          </p:cNvSpPr>
+          <p:nvPr>
+            <p:ph type="sldNum" sz="quarter" idx="5"/>
+          </p:nvPr>
+        </p:nvSpPr>
+        <p:spPr/>
+        <p:txBody>
+          <a:bodyPr/>
+          <a:lstStyle/>
+          <a:p>
+            <a:fld id="{BC849E9A-41F7-4779-A581-48A7C374A227}" type="slidenum">
+              <a:rPr lang="en-US" smtClean="0"/>
+              <a:t>3</a:t>
+            </a:fld>
+            <a:endParaRPr lang="en-US" dirty="0"/>
+          </a:p>
+        </p:txBody>
+      </p:sp>
+    </p:spTree>
+    <p:extLst>
+      <p:ext uri="{BB962C8B-B14F-4D97-AF65-F5344CB8AC3E}">
+        <p14:creationId xmlns:p14="http://schemas.microsoft.com/office/powerpoint/2010/main" val="3750575427"/>
+      </p:ext>
+    </p:extLst>
+  </p:cSld>
+  <p:clrMapOvr>
+    <a:masterClrMapping/>
+  </p:clrMapOvr>
+</p:notes>
+</file>
+
 <file path=ppt/slideLayouts/slideLayout1.xml><?xml version="1.0" encoding="utf-8"?>
 <p:sldLayout xmlns:a="http://schemas.openxmlformats.org/drawingml/2006/main" xmlns:r="http://schemas.openxmlformats.org/officeDocument/2006/relationships" xmlns:p="http://schemas.openxmlformats.org/presentationml/2006/main" type="title" preserve="1">
   <p:cSld name="Title Slide">
@@ -896,7 +1251,7 @@
           <a:p>
             <a:fld id="{DECF21A4-E71B-4D3A-AF45-E989C23A7BB1}" type="datetimeFigureOut">
               <a:rPr lang="en-US" smtClean="0"/>
-              <a:t>11/9/2021</a:t>
+              <a:t>11/14/2021</a:t>
             </a:fld>
             <a:endParaRPr lang="en-US" dirty="0"/>
           </a:p>
@@ -1094,7 +1449,7 @@
           <a:p>
             <a:fld id="{DECF21A4-E71B-4D3A-AF45-E989C23A7BB1}" type="datetimeFigureOut">
               <a:rPr lang="en-US" smtClean="0"/>
-              <a:t>11/9/2021</a:t>
+              <a:t>11/14/2021</a:t>
             </a:fld>
             <a:endParaRPr lang="en-US" dirty="0"/>
           </a:p>
@@ -1302,7 +1657,7 @@
           <a:p>
             <a:fld id="{DECF21A4-E71B-4D3A-AF45-E989C23A7BB1}" type="datetimeFigureOut">
               <a:rPr lang="en-US" smtClean="0"/>
-              <a:t>11/9/2021</a:t>
+              <a:t>11/14/2021</a:t>
             </a:fld>
             <a:endParaRPr lang="en-US" dirty="0"/>
           </a:p>
@@ -1500,7 +1855,7 @@
           <a:p>
             <a:fld id="{DECF21A4-E71B-4D3A-AF45-E989C23A7BB1}" type="datetimeFigureOut">
               <a:rPr lang="en-US" smtClean="0"/>
-              <a:t>11/9/2021</a:t>
+              <a:t>11/14/2021</a:t>
             </a:fld>
             <a:endParaRPr lang="en-US" dirty="0"/>
           </a:p>
@@ -1775,7 +2130,7 @@
           <a:p>
             <a:fld id="{DECF21A4-E71B-4D3A-AF45-E989C23A7BB1}" type="datetimeFigureOut">
               <a:rPr lang="en-US" smtClean="0"/>
-              <a:t>11/9/2021</a:t>
+              <a:t>11/14/2021</a:t>
             </a:fld>
             <a:endParaRPr lang="en-US" dirty="0"/>
           </a:p>
@@ -2040,7 +2395,7 @@
           <a:p>
             <a:fld id="{DECF21A4-E71B-4D3A-AF45-E989C23A7BB1}" type="datetimeFigureOut">
               <a:rPr lang="en-US" smtClean="0"/>
-              <a:t>11/9/2021</a:t>
+              <a:t>11/14/2021</a:t>
             </a:fld>
             <a:endParaRPr lang="en-US" dirty="0"/>
           </a:p>
@@ -2452,7 +2807,7 @@
           <a:p>
             <a:fld id="{DECF21A4-E71B-4D3A-AF45-E989C23A7BB1}" type="datetimeFigureOut">
               <a:rPr lang="en-US" smtClean="0"/>
-              <a:t>11/9/2021</a:t>
+              <a:t>11/14/2021</a:t>
             </a:fld>
             <a:endParaRPr lang="en-US" dirty="0"/>
           </a:p>
@@ -2593,7 +2948,7 @@
           <a:p>
             <a:fld id="{DECF21A4-E71B-4D3A-AF45-E989C23A7BB1}" type="datetimeFigureOut">
               <a:rPr lang="en-US" smtClean="0"/>
-              <a:t>11/9/2021</a:t>
+              <a:t>11/14/2021</a:t>
             </a:fld>
             <a:endParaRPr lang="en-US" dirty="0"/>
           </a:p>
@@ -2706,7 +3061,7 @@
           <a:p>
             <a:fld id="{DECF21A4-E71B-4D3A-AF45-E989C23A7BB1}" type="datetimeFigureOut">
               <a:rPr lang="en-US" smtClean="0"/>
-              <a:t>11/9/2021</a:t>
+              <a:t>11/14/2021</a:t>
             </a:fld>
             <a:endParaRPr lang="en-US" dirty="0"/>
           </a:p>
@@ -3017,7 +3372,7 @@
           <a:p>
             <a:fld id="{DECF21A4-E71B-4D3A-AF45-E989C23A7BB1}" type="datetimeFigureOut">
               <a:rPr lang="en-US" smtClean="0"/>
-              <a:t>11/9/2021</a:t>
+              <a:t>11/14/2021</a:t>
             </a:fld>
             <a:endParaRPr lang="en-US" dirty="0"/>
           </a:p>
@@ -3309,7 +3664,7 @@
           <a:p>
             <a:fld id="{DECF21A4-E71B-4D3A-AF45-E989C23A7BB1}" type="datetimeFigureOut">
               <a:rPr lang="en-US" smtClean="0"/>
-              <a:t>11/9/2021</a:t>
+              <a:t>11/14/2021</a:t>
             </a:fld>
             <a:endParaRPr lang="en-US" dirty="0"/>
           </a:p>
@@ -3550,7 +3905,7 @@
           <a:p>
             <a:fld id="{DECF21A4-E71B-4D3A-AF45-E989C23A7BB1}" type="datetimeFigureOut">
               <a:rPr lang="en-US" smtClean="0"/>
-              <a:t>11/9/2021</a:t>
+              <a:t>11/14/2021</a:t>
             </a:fld>
             <a:endParaRPr lang="en-US" dirty="0"/>
           </a:p>
@@ -5403,6 +5758,14 @@
 <file path=ppt/slides/slide2.xml><?xml version="1.0" encoding="utf-8"?>
 <p:sld xmlns:a="http://schemas.openxmlformats.org/drawingml/2006/main" xmlns:r="http://schemas.openxmlformats.org/officeDocument/2006/relationships" xmlns:p="http://schemas.openxmlformats.org/presentationml/2006/main">
   <p:cSld>
+    <p:bg>
+      <p:bgPr>
+        <a:solidFill>
+          <a:schemeClr val="bg1"/>
+        </a:solidFill>
+        <a:effectLst/>
+      </p:bgPr>
+    </p:bg>
     <p:spTree>
       <p:nvGrpSpPr>
         <p:cNvPr id="1" name=""/>
@@ -5417,6 +5780,165 @@
           <a:chExt cx="0" cy="0"/>
         </a:xfrm>
       </p:grpSpPr>
+      <p:sp useBgFill="1">
+        <p:nvSpPr>
+          <p:cNvPr id="10" name="Rectangle 9">
+            <a:extLst>
+              <a:ext uri="{FF2B5EF4-FFF2-40B4-BE49-F238E27FC236}">
+                <a16:creationId xmlns:a16="http://schemas.microsoft.com/office/drawing/2014/main" id="{1ECAB1E8-8195-4748-BE71-FF806D86892E}"/>
+              </a:ext>
+              <a:ext uri="{C183D7F6-B498-43B3-948B-1728B52AA6E4}">
+                <adec:decorative xmlns:adec="http://schemas.microsoft.com/office/drawing/2017/decorative" val="1"/>
+              </a:ext>
+            </a:extLst>
+          </p:cNvPr>
+          <p:cNvSpPr>
+            <a:spLocks noGrp="1" noRot="1" noChangeAspect="1" noMove="1" noResize="1" noEditPoints="1" noAdjustHandles="1" noChangeArrowheads="1" noChangeShapeType="1" noTextEdit="1"/>
+          </p:cNvSpPr>
+          <p:nvPr>
+            <p:extLst>
+              <p:ext uri="{386F3935-93C4-4BCD-93E2-E3B085C9AB24}">
+                <p16:designElem xmlns:p16="http://schemas.microsoft.com/office/powerpoint/2015/main" val="1"/>
+              </p:ext>
+            </p:extLst>
+          </p:nvPr>
+        </p:nvSpPr>
+        <p:spPr>
+          <a:xfrm>
+            <a:off x="0" y="0"/>
+            <a:ext cx="12192000" cy="6858000"/>
+          </a:xfrm>
+          <a:prstGeom prst="rect">
+            <a:avLst/>
+          </a:prstGeom>
+          <a:ln>
+            <a:noFill/>
+          </a:ln>
+        </p:spPr>
+        <p:style>
+          <a:lnRef idx="2">
+            <a:schemeClr val="accent1">
+              <a:shade val="50000"/>
+            </a:schemeClr>
+          </a:lnRef>
+          <a:fillRef idx="1">
+            <a:schemeClr val="accent1"/>
+          </a:fillRef>
+          <a:effectRef idx="0">
+            <a:schemeClr val="accent1"/>
+          </a:effectRef>
+          <a:fontRef idx="minor">
+            <a:schemeClr val="lt1"/>
+          </a:fontRef>
+        </p:style>
+        <p:txBody>
+          <a:bodyPr rtlCol="0" anchor="ctr"/>
+          <a:lstStyle/>
+          <a:p>
+            <a:pPr algn="ctr"/>
+            <a:endParaRPr lang="en-US"/>
+          </a:p>
+        </p:txBody>
+      </p:sp>
+      <p:sp useBgFill="1">
+        <p:nvSpPr>
+          <p:cNvPr id="12" name="!!text rectangle">
+            <a:extLst>
+              <a:ext uri="{FF2B5EF4-FFF2-40B4-BE49-F238E27FC236}">
+                <a16:creationId xmlns:a16="http://schemas.microsoft.com/office/drawing/2014/main" id="{57F6BDD4-E066-4008-8011-6CC31AEB4556}"/>
+              </a:ext>
+              <a:ext uri="{C183D7F6-B498-43B3-948B-1728B52AA6E4}">
+                <adec:decorative xmlns:adec="http://schemas.microsoft.com/office/drawing/2017/decorative" val="1"/>
+              </a:ext>
+            </a:extLst>
+          </p:cNvPr>
+          <p:cNvSpPr>
+            <a:spLocks noGrp="1" noRot="1" noChangeAspect="1" noMove="1" noResize="1" noEditPoints="1" noAdjustHandles="1" noChangeArrowheads="1" noChangeShapeType="1" noTextEdit="1"/>
+          </p:cNvSpPr>
+          <p:nvPr>
+            <p:extLst>
+              <p:ext uri="{386F3935-93C4-4BCD-93E2-E3B085C9AB24}">
+                <p16:designElem xmlns:p16="http://schemas.microsoft.com/office/powerpoint/2015/main" val="1"/>
+              </p:ext>
+            </p:extLst>
+          </p:nvPr>
+        </p:nvSpPr>
+        <p:spPr>
+          <a:xfrm>
+            <a:off x="409575" y="633619"/>
+            <a:ext cx="4279383" cy="5495925"/>
+          </a:xfrm>
+          <a:prstGeom prst="rect">
+            <a:avLst/>
+          </a:prstGeom>
+          <a:ln w="9525">
+            <a:solidFill>
+              <a:srgbClr val="E1E1E1"/>
+            </a:solidFill>
+          </a:ln>
+          <a:effectLst>
+            <a:outerShdw blurRad="50800" dist="38100" dir="2700000" algn="tl" rotWithShape="0">
+              <a:schemeClr val="bg1">
+                <a:lumMod val="85000"/>
+                <a:alpha val="50000"/>
+              </a:schemeClr>
+            </a:outerShdw>
+          </a:effectLst>
+        </p:spPr>
+        <p:style>
+          <a:lnRef idx="2">
+            <a:schemeClr val="accent1">
+              <a:shade val="50000"/>
+            </a:schemeClr>
+          </a:lnRef>
+          <a:fillRef idx="1">
+            <a:schemeClr val="accent1"/>
+          </a:fillRef>
+          <a:effectRef idx="0">
+            <a:schemeClr val="accent1"/>
+          </a:effectRef>
+          <a:fontRef idx="minor">
+            <a:schemeClr val="lt1"/>
+          </a:fontRef>
+        </p:style>
+        <p:txBody>
+          <a:bodyPr rtlCol="0" anchor="ctr"/>
+          <a:lstStyle/>
+          <a:p>
+            <a:pPr marL="0" marR="0" lvl="0" indent="0" algn="ctr" defTabSz="914400" rtl="0" eaLnBrk="1" fontAlgn="auto" latinLnBrk="0" hangingPunct="1">
+              <a:lnSpc>
+                <a:spcPct val="100000"/>
+              </a:lnSpc>
+              <a:spcBef>
+                <a:spcPts val="0"/>
+              </a:spcBef>
+              <a:spcAft>
+                <a:spcPts val="0"/>
+              </a:spcAft>
+              <a:buClrTx/>
+              <a:buSzTx/>
+              <a:buFontTx/>
+              <a:buNone/>
+              <a:tabLst/>
+              <a:defRPr/>
+            </a:pPr>
+            <a:endParaRPr kumimoji="0" lang="en-US" sz="1800" b="0" i="0" u="none" strike="noStrike" kern="1200" cap="none" spc="0" normalizeH="0" baseline="0" noProof="0">
+              <a:ln>
+                <a:noFill/>
+              </a:ln>
+              <a:solidFill>
+                <a:prstClr val="white"/>
+              </a:solidFill>
+              <a:effectLst/>
+              <a:uLnTx/>
+              <a:uFillTx/>
+              <a:latin typeface="Calibri" panose="020F0502020204030204"/>
+              <a:ea typeface="+mn-ea"/>
+              <a:cs typeface="+mn-cs"/>
+            </a:endParaRPr>
+          </a:p>
+        </p:txBody>
+      </p:sp>
       <p:sp>
         <p:nvSpPr>
           <p:cNvPr id="2" name="Title 1">
@@ -5433,13 +5955,20 @@
             <p:ph type="title"/>
           </p:nvPr>
         </p:nvSpPr>
-        <p:spPr/>
-        <p:txBody>
-          <a:bodyPr/>
+        <p:spPr>
+          <a:xfrm>
+            <a:off x="841247" y="978619"/>
+            <a:ext cx="3410712" cy="1106424"/>
+          </a:xfrm>
+        </p:spPr>
+        <p:txBody>
+          <a:bodyPr>
+            <a:normAutofit/>
+          </a:bodyPr>
           <a:lstStyle/>
           <a:p>
             <a:r>
-              <a:rPr lang="en-US" dirty="0"/>
+              <a:rPr lang="en-US" sz="2800"/>
               <a:t>Refresher on Presentation Critique</a:t>
             </a:r>
           </a:p>
@@ -5447,6 +5976,167 @@
       </p:sp>
       <p:sp>
         <p:nvSpPr>
+          <p:cNvPr id="14" name="!!accent">
+            <a:extLst>
+              <a:ext uri="{FF2B5EF4-FFF2-40B4-BE49-F238E27FC236}">
+                <a16:creationId xmlns:a16="http://schemas.microsoft.com/office/drawing/2014/main" id="{2711A8FB-68FC-45FC-B01E-38F809E2D439}"/>
+              </a:ext>
+              <a:ext uri="{C183D7F6-B498-43B3-948B-1728B52AA6E4}">
+                <adec:decorative xmlns:adec="http://schemas.microsoft.com/office/drawing/2017/decorative" val="1"/>
+              </a:ext>
+            </a:extLst>
+          </p:cNvPr>
+          <p:cNvSpPr>
+            <a:spLocks noGrp="1" noRot="1" noChangeAspect="1" noMove="1" noResize="1" noEditPoints="1" noAdjustHandles="1" noChangeArrowheads="1" noChangeShapeType="1" noTextEdit="1"/>
+          </p:cNvSpPr>
+          <p:nvPr>
+            <p:extLst>
+              <p:ext uri="{386F3935-93C4-4BCD-93E2-E3B085C9AB24}">
+                <p16:designElem xmlns:p16="http://schemas.microsoft.com/office/powerpoint/2015/main" val="1"/>
+              </p:ext>
+            </p:extLst>
+          </p:nvPr>
+        </p:nvSpPr>
+        <p:spPr>
+          <a:xfrm>
+            <a:off x="345567" y="1170432"/>
+            <a:ext cx="128016" cy="704088"/>
+          </a:xfrm>
+          <a:prstGeom prst="rect">
+            <a:avLst/>
+          </a:prstGeom>
+          <a:solidFill>
+            <a:schemeClr val="accent2"/>
+          </a:solidFill>
+          <a:ln>
+            <a:noFill/>
+          </a:ln>
+        </p:spPr>
+        <p:style>
+          <a:lnRef idx="2">
+            <a:schemeClr val="accent1">
+              <a:shade val="50000"/>
+            </a:schemeClr>
+          </a:lnRef>
+          <a:fillRef idx="1">
+            <a:schemeClr val="accent1"/>
+          </a:fillRef>
+          <a:effectRef idx="0">
+            <a:schemeClr val="accent1"/>
+          </a:effectRef>
+          <a:fontRef idx="minor">
+            <a:schemeClr val="lt1"/>
+          </a:fontRef>
+        </p:style>
+        <p:txBody>
+          <a:bodyPr rtlCol="0" anchor="ctr"/>
+          <a:lstStyle/>
+          <a:p>
+            <a:pPr algn="ctr"/>
+            <a:endParaRPr lang="en-US">
+              <a:solidFill>
+                <a:prstClr val="white"/>
+              </a:solidFill>
+              <a:latin typeface="Calibri" panose="020F0502020204030204"/>
+            </a:endParaRPr>
+          </a:p>
+        </p:txBody>
+      </p:sp>
+      <p:sp>
+        <p:nvSpPr>
+          <p:cNvPr id="16" name="Rectangle 15">
+            <a:extLst>
+              <a:ext uri="{FF2B5EF4-FFF2-40B4-BE49-F238E27FC236}">
+                <a16:creationId xmlns:a16="http://schemas.microsoft.com/office/drawing/2014/main" id="{2A865FE3-5FC9-4049-87CF-30019C46C0F5}"/>
+              </a:ext>
+              <a:ext uri="{C183D7F6-B498-43B3-948B-1728B52AA6E4}">
+                <adec:decorative xmlns:adec="http://schemas.microsoft.com/office/drawing/2017/decorative" val="1"/>
+              </a:ext>
+            </a:extLst>
+          </p:cNvPr>
+          <p:cNvSpPr>
+            <a:spLocks noGrp="1" noRot="1" noChangeAspect="1" noMove="1" noResize="1" noEditPoints="1" noAdjustHandles="1" noChangeArrowheads="1" noChangeShapeType="1" noTextEdit="1"/>
+          </p:cNvSpPr>
+          <p:nvPr>
+            <p:extLst>
+              <p:ext uri="{386F3935-93C4-4BCD-93E2-E3B085C9AB24}">
+                <p16:designElem xmlns:p16="http://schemas.microsoft.com/office/powerpoint/2015/main" val="1"/>
+              </p:ext>
+            </p:extLst>
+          </p:nvPr>
+        </p:nvSpPr>
+        <p:spPr>
+          <a:xfrm>
+            <a:off x="877459" y="2121408"/>
+            <a:ext cx="3328416" cy="9144"/>
+          </a:xfrm>
+          <a:prstGeom prst="rect">
+            <a:avLst/>
+          </a:prstGeom>
+          <a:solidFill>
+            <a:srgbClr val="D5D5D5"/>
+          </a:solidFill>
+          <a:ln w="3175">
+            <a:noFill/>
+          </a:ln>
+          <a:effectLst/>
+        </p:spPr>
+        <p:style>
+          <a:lnRef idx="2">
+            <a:schemeClr val="accent1">
+              <a:shade val="50000"/>
+            </a:schemeClr>
+          </a:lnRef>
+          <a:fillRef idx="1">
+            <a:schemeClr val="accent1"/>
+          </a:fillRef>
+          <a:effectRef idx="0">
+            <a:schemeClr val="accent1"/>
+          </a:effectRef>
+          <a:fontRef idx="minor">
+            <a:schemeClr val="lt1"/>
+          </a:fontRef>
+        </p:style>
+        <p:txBody>
+          <a:bodyPr rtlCol="0" anchor="ctr"/>
+          <a:lstStyle/>
+          <a:p>
+            <a:pPr marL="0" marR="0" lvl="0" indent="0" algn="ctr" defTabSz="914400" rtl="0" eaLnBrk="1" fontAlgn="auto" latinLnBrk="0" hangingPunct="1">
+              <a:lnSpc>
+                <a:spcPct val="100000"/>
+              </a:lnSpc>
+              <a:spcBef>
+                <a:spcPts val="0"/>
+              </a:spcBef>
+              <a:spcAft>
+                <a:spcPts val="0"/>
+              </a:spcAft>
+              <a:buClrTx/>
+              <a:buSzTx/>
+              <a:buFontTx/>
+              <a:buNone/>
+              <a:tabLst/>
+              <a:defRPr/>
+            </a:pPr>
+            <a:endParaRPr kumimoji="0" lang="en-US" sz="1800" b="0" i="0" u="none" strike="noStrike" kern="1200" cap="none" spc="0" normalizeH="0" baseline="0" noProof="0">
+              <a:ln>
+                <a:noFill/>
+              </a:ln>
+              <a:solidFill>
+                <a:prstClr val="white"/>
+              </a:solidFill>
+              <a:effectLst/>
+              <a:uLnTx/>
+              <a:uFillTx/>
+              <a:latin typeface="Calibri" panose="020F0502020204030204"/>
+              <a:ea typeface="+mn-ea"/>
+              <a:cs typeface="+mn-cs"/>
+            </a:endParaRPr>
+          </a:p>
+        </p:txBody>
+      </p:sp>
+      <p:sp>
+        <p:nvSpPr>
           <p:cNvPr id="3" name="Content Placeholder 2">
             <a:extLst>
               <a:ext uri="{FF2B5EF4-FFF2-40B4-BE49-F238E27FC236}">
@@ -5461,19 +6151,138 @@
             <p:ph idx="1"/>
           </p:nvPr>
         </p:nvSpPr>
-        <p:spPr/>
-        <p:txBody>
-          <a:bodyPr/>
+        <p:spPr>
+          <a:xfrm>
+            <a:off x="841247" y="2359152"/>
+            <a:ext cx="3410712" cy="3425043"/>
+          </a:xfrm>
+        </p:spPr>
+        <p:txBody>
+          <a:bodyPr>
+            <a:normAutofit/>
+          </a:bodyPr>
           <a:lstStyle/>
           <a:p>
-            <a:endParaRPr lang="en-US"/>
-          </a:p>
-        </p:txBody>
-      </p:sp>
+            <a:r>
+              <a:rPr lang="en-US" sz="1400"/>
+              <a:t>Presentation Critique </a:t>
+            </a:r>
+          </a:p>
+          <a:p>
+            <a:pPr lvl="1"/>
+            <a:r>
+              <a:rPr lang="en-US" sz="1400">
+                <a:hlinkClick r:id="rId3"/>
+              </a:rPr>
+              <a:t>https://missouri.qualtrics.com/jfe/form/SV_0xPBVxlRxxOmejQ</a:t>
+            </a:r>
+            <a:endParaRPr lang="en-US" sz="1400"/>
+          </a:p>
+          <a:p>
+            <a:r>
+              <a:rPr lang="en-US" sz="1400"/>
+              <a:t>One submission per group for every group that presents </a:t>
+            </a:r>
+          </a:p>
+          <a:p>
+            <a:r>
+              <a:rPr lang="en-US" sz="1400"/>
+              <a:t>Each team will have 20 mins </a:t>
+            </a:r>
+          </a:p>
+          <a:p>
+            <a:pPr lvl="1"/>
+            <a:r>
+              <a:rPr lang="en-US" sz="1400"/>
+              <a:t>15 mins to present the project </a:t>
+            </a:r>
+          </a:p>
+          <a:p>
+            <a:pPr lvl="1"/>
+            <a:r>
+              <a:rPr lang="en-US" sz="1400"/>
+              <a:t>5 mins for discussion and questions, evaluation</a:t>
+            </a:r>
+          </a:p>
+          <a:p>
+            <a:r>
+              <a:rPr lang="en-US" sz="1400"/>
+              <a:t>Presentation order:</a:t>
+            </a:r>
+          </a:p>
+          <a:p>
+            <a:pPr lvl="1"/>
+            <a:r>
+              <a:rPr lang="en-US" sz="1400"/>
+              <a:t>JB</a:t>
+            </a:r>
+          </a:p>
+          <a:p>
+            <a:pPr lvl="1"/>
+            <a:r>
+              <a:rPr lang="en-US" sz="1400"/>
+              <a:t>IJ</a:t>
+            </a:r>
+          </a:p>
+          <a:p>
+            <a:pPr lvl="1"/>
+            <a:r>
+              <a:rPr lang="en-US" sz="1400"/>
+              <a:t>GS</a:t>
+            </a:r>
+          </a:p>
+          <a:p>
+            <a:pPr lvl="1"/>
+            <a:endParaRPr lang="en-US" sz="1400"/>
+          </a:p>
+          <a:p>
+            <a:pPr lvl="1"/>
+            <a:endParaRPr lang="en-US" sz="1400"/>
+          </a:p>
+        </p:txBody>
+      </p:sp>
+      <p:pic>
+        <p:nvPicPr>
+          <p:cNvPr id="5" name="Picture 4" descr="A picture containing text, appliance, screenshot&#10;&#10;Description automatically generated">
+            <a:extLst>
+              <a:ext uri="{FF2B5EF4-FFF2-40B4-BE49-F238E27FC236}">
+                <a16:creationId xmlns:a16="http://schemas.microsoft.com/office/drawing/2014/main" id="{8A1903CC-110A-4EE5-B6DE-C96F42FB6E2F}"/>
+              </a:ext>
+            </a:extLst>
+          </p:cNvPr>
+          <p:cNvPicPr>
+            <a:picLocks noChangeAspect="1"/>
+          </p:cNvPicPr>
+          <p:nvPr/>
+        </p:nvPicPr>
+        <p:blipFill rotWithShape="1">
+          <a:blip r:embed="rId4">
+            <a:extLst>
+              <a:ext uri="{28A0092B-C50C-407E-A947-70E740481C1C}">
+                <a14:useLocalDpi xmlns:a14="http://schemas.microsoft.com/office/drawing/2010/main" val="0"/>
+              </a:ext>
+              <a:ext uri="{837473B0-CC2E-450A-ABE3-18F120FF3D39}">
+                <a1611:picAttrSrcUrl xmlns:a1611="http://schemas.microsoft.com/office/drawing/2016/11/main" r:id="rId5"/>
+              </a:ext>
+            </a:extLst>
+          </a:blip>
+          <a:srcRect l="17234" r="13408" b="-1"/>
+          <a:stretch/>
+        </p:blipFill>
+        <p:spPr>
+          <a:xfrm>
+            <a:off x="5124450" y="634382"/>
+            <a:ext cx="6657213" cy="5495162"/>
+          </a:xfrm>
+          <a:prstGeom prst="rect">
+            <a:avLst/>
+          </a:prstGeom>
+        </p:spPr>
+      </p:pic>
     </p:spTree>
     <p:extLst>
       <p:ext uri="{BB962C8B-B14F-4D97-AF65-F5344CB8AC3E}">
-        <p14:creationId xmlns:p14="http://schemas.microsoft.com/office/powerpoint/2010/main" val="3190450827"/>
+        <p14:creationId xmlns:p14="http://schemas.microsoft.com/office/powerpoint/2010/main" val="1005130366"/>
       </p:ext>
     </p:extLst>
   </p:cSld>
@@ -5484,8 +6293,16 @@
 </file>
 
 <file path=ppt/slides/slide3.xml><?xml version="1.0" encoding="utf-8"?>
-<p:sld xmlns:a="http://schemas.openxmlformats.org/drawingml/2006/main" xmlns:r="http://schemas.openxmlformats.org/officeDocument/2006/relationships" xmlns:p="http://schemas.openxmlformats.org/presentationml/2006/main">
+<p:sld xmlns:a="http://schemas.openxmlformats.org/drawingml/2006/main" xmlns:r="http://schemas.openxmlformats.org/officeDocument/2006/relationships" xmlns:p="http://schemas.openxmlformats.org/presentationml/2006/main" show="0">
   <p:cSld>
+    <p:bg>
+      <p:bgPr>
+        <a:solidFill>
+          <a:schemeClr val="bg1"/>
+        </a:solidFill>
+        <a:effectLst/>
+      </p:bgPr>
+    </p:bg>
     <p:spTree>
       <p:nvGrpSpPr>
         <p:cNvPr id="1" name=""/>
@@ -5500,12 +6317,72 @@
           <a:chExt cx="0" cy="0"/>
         </a:xfrm>
       </p:grpSpPr>
+      <p:sp useBgFill="1">
+        <p:nvSpPr>
+          <p:cNvPr id="10" name="Rectangle 9">
+            <a:extLst>
+              <a:ext uri="{FF2B5EF4-FFF2-40B4-BE49-F238E27FC236}">
+                <a16:creationId xmlns:a16="http://schemas.microsoft.com/office/drawing/2014/main" id="{777A147A-9ED8-46B4-8660-1B3C2AA880B5}"/>
+              </a:ext>
+              <a:ext uri="{C183D7F6-B498-43B3-948B-1728B52AA6E4}">
+                <adec:decorative xmlns:adec="http://schemas.microsoft.com/office/drawing/2017/decorative" val="1"/>
+              </a:ext>
+            </a:extLst>
+          </p:cNvPr>
+          <p:cNvSpPr>
+            <a:spLocks noGrp="1" noRot="1" noChangeAspect="1" noMove="1" noResize="1" noEditPoints="1" noAdjustHandles="1" noChangeArrowheads="1" noChangeShapeType="1" noTextEdit="1"/>
+          </p:cNvSpPr>
+          <p:nvPr>
+            <p:extLst>
+              <p:ext uri="{386F3935-93C4-4BCD-93E2-E3B085C9AB24}">
+                <p16:designElem xmlns:p16="http://schemas.microsoft.com/office/powerpoint/2015/main" val="1"/>
+              </p:ext>
+            </p:extLst>
+          </p:nvPr>
+        </p:nvSpPr>
+        <p:spPr>
+          <a:xfrm>
+            <a:off x="0" y="0"/>
+            <a:ext cx="12188952" cy="6858000"/>
+          </a:xfrm>
+          <a:prstGeom prst="rect">
+            <a:avLst/>
+          </a:prstGeom>
+          <a:ln>
+            <a:noFill/>
+          </a:ln>
+        </p:spPr>
+        <p:style>
+          <a:lnRef idx="2">
+            <a:schemeClr val="accent1">
+              <a:shade val="50000"/>
+            </a:schemeClr>
+          </a:lnRef>
+          <a:fillRef idx="1">
+            <a:schemeClr val="accent1"/>
+          </a:fillRef>
+          <a:effectRef idx="0">
+            <a:schemeClr val="accent1"/>
+          </a:effectRef>
+          <a:fontRef idx="minor">
+            <a:schemeClr val="lt1"/>
+          </a:fontRef>
+        </p:style>
+        <p:txBody>
+          <a:bodyPr rtlCol="0" anchor="ctr"/>
+          <a:lstStyle/>
+          <a:p>
+            <a:pPr algn="ctr"/>
+            <a:endParaRPr lang="en-US"/>
+          </a:p>
+        </p:txBody>
+      </p:sp>
       <p:sp>
         <p:nvSpPr>
           <p:cNvPr id="2" name="Title 1">
             <a:extLst>
               <a:ext uri="{FF2B5EF4-FFF2-40B4-BE49-F238E27FC236}">
-                <a16:creationId xmlns:a16="http://schemas.microsoft.com/office/drawing/2014/main" id="{2D54607F-E103-4E86-AFE9-2D9B9FF98CA5}"/>
+                <a16:creationId xmlns:a16="http://schemas.microsoft.com/office/drawing/2014/main" id="{77E783DA-5967-4ADD-AB1F-79657CA53620}"/>
               </a:ext>
             </a:extLst>
           </p:cNvPr>
@@ -5516,15 +6393,366 @@
             <p:ph type="title"/>
           </p:nvPr>
         </p:nvSpPr>
-        <p:spPr/>
-        <p:txBody>
-          <a:bodyPr/>
+        <p:spPr>
+          <a:xfrm>
+            <a:off x="841248" y="548640"/>
+            <a:ext cx="3600860" cy="5431536"/>
+          </a:xfrm>
+        </p:spPr>
+        <p:txBody>
+          <a:bodyPr>
+            <a:normAutofit/>
+          </a:bodyPr>
           <a:lstStyle/>
           <a:p>
             <a:r>
-              <a:rPr lang="en-US" dirty="0"/>
-              <a:t>Presentation Order</a:t>
-            </a:r>
+              <a:rPr lang="en-US" sz="5000"/>
+              <a:t>Presentation Guidelines</a:t>
+            </a:r>
+            <a:endParaRPr lang="en-US" sz="5000" dirty="0"/>
+          </a:p>
+        </p:txBody>
+      </p:sp>
+      <p:sp>
+        <p:nvSpPr>
+          <p:cNvPr id="12" name="sketch line">
+            <a:extLst>
+              <a:ext uri="{FF2B5EF4-FFF2-40B4-BE49-F238E27FC236}">
+                <a16:creationId xmlns:a16="http://schemas.microsoft.com/office/drawing/2014/main" id="{5D6C15A0-C087-4593-8414-2B4EC1CDC3DE}"/>
+              </a:ext>
+              <a:ext uri="{C183D7F6-B498-43B3-948B-1728B52AA6E4}">
+                <adec:decorative xmlns:adec="http://schemas.microsoft.com/office/drawing/2017/decorative" val="1"/>
+              </a:ext>
+            </a:extLst>
+          </p:cNvPr>
+          <p:cNvSpPr>
+            <a:spLocks noGrp="1" noRot="1" noChangeAspect="1" noMove="1" noResize="1" noEditPoints="1" noAdjustHandles="1" noChangeArrowheads="1" noChangeShapeType="1" noTextEdit="1"/>
+          </p:cNvSpPr>
+          <p:nvPr>
+            <p:extLst>
+              <p:ext uri="{386F3935-93C4-4BCD-93E2-E3B085C9AB24}">
+                <p16:designElem xmlns:p16="http://schemas.microsoft.com/office/powerpoint/2015/main" val="1"/>
+              </p:ext>
+            </p:extLst>
+          </p:nvPr>
+        </p:nvSpPr>
+        <p:spPr>
+          <a:xfrm rot="5400000">
+            <a:off x="2543983" y="3258715"/>
+            <a:ext cx="4480560" cy="18288"/>
+          </a:xfrm>
+          <a:custGeom>
+            <a:avLst/>
+            <a:gdLst>
+              <a:gd name="connsiteX0" fmla="*/ 0 w 4480560"/>
+              <a:gd name="connsiteY0" fmla="*/ 0 h 18288"/>
+              <a:gd name="connsiteX1" fmla="*/ 595274 w 4480560"/>
+              <a:gd name="connsiteY1" fmla="*/ 0 h 18288"/>
+              <a:gd name="connsiteX2" fmla="*/ 1100938 w 4480560"/>
+              <a:gd name="connsiteY2" fmla="*/ 0 h 18288"/>
+              <a:gd name="connsiteX3" fmla="*/ 1651406 w 4480560"/>
+              <a:gd name="connsiteY3" fmla="*/ 0 h 18288"/>
+              <a:gd name="connsiteX4" fmla="*/ 2336292 w 4480560"/>
+              <a:gd name="connsiteY4" fmla="*/ 0 h 18288"/>
+              <a:gd name="connsiteX5" fmla="*/ 2931566 w 4480560"/>
+              <a:gd name="connsiteY5" fmla="*/ 0 h 18288"/>
+              <a:gd name="connsiteX6" fmla="*/ 3482035 w 4480560"/>
+              <a:gd name="connsiteY6" fmla="*/ 0 h 18288"/>
+              <a:gd name="connsiteX7" fmla="*/ 4480560 w 4480560"/>
+              <a:gd name="connsiteY7" fmla="*/ 0 h 18288"/>
+              <a:gd name="connsiteX8" fmla="*/ 4480560 w 4480560"/>
+              <a:gd name="connsiteY8" fmla="*/ 18288 h 18288"/>
+              <a:gd name="connsiteX9" fmla="*/ 3840480 w 4480560"/>
+              <a:gd name="connsiteY9" fmla="*/ 18288 h 18288"/>
+              <a:gd name="connsiteX10" fmla="*/ 3290011 w 4480560"/>
+              <a:gd name="connsiteY10" fmla="*/ 18288 h 18288"/>
+              <a:gd name="connsiteX11" fmla="*/ 2560320 w 4480560"/>
+              <a:gd name="connsiteY11" fmla="*/ 18288 h 18288"/>
+              <a:gd name="connsiteX12" fmla="*/ 1965046 w 4480560"/>
+              <a:gd name="connsiteY12" fmla="*/ 18288 h 18288"/>
+              <a:gd name="connsiteX13" fmla="*/ 1459382 w 4480560"/>
+              <a:gd name="connsiteY13" fmla="*/ 18288 h 18288"/>
+              <a:gd name="connsiteX14" fmla="*/ 774497 w 4480560"/>
+              <a:gd name="connsiteY14" fmla="*/ 18288 h 18288"/>
+              <a:gd name="connsiteX15" fmla="*/ 0 w 4480560"/>
+              <a:gd name="connsiteY15" fmla="*/ 18288 h 18288"/>
+              <a:gd name="connsiteX16" fmla="*/ 0 w 4480560"/>
+              <a:gd name="connsiteY16" fmla="*/ 0 h 18288"/>
+            </a:gdLst>
+            <a:ahLst/>
+            <a:cxnLst>
+              <a:cxn ang="0">
+                <a:pos x="connsiteX0" y="connsiteY0"/>
+              </a:cxn>
+              <a:cxn ang="0">
+                <a:pos x="connsiteX1" y="connsiteY1"/>
+              </a:cxn>
+              <a:cxn ang="0">
+                <a:pos x="connsiteX2" y="connsiteY2"/>
+              </a:cxn>
+              <a:cxn ang="0">
+                <a:pos x="connsiteX3" y="connsiteY3"/>
+              </a:cxn>
+              <a:cxn ang="0">
+                <a:pos x="connsiteX4" y="connsiteY4"/>
+              </a:cxn>
+              <a:cxn ang="0">
+                <a:pos x="connsiteX5" y="connsiteY5"/>
+              </a:cxn>
+              <a:cxn ang="0">
+                <a:pos x="connsiteX6" y="connsiteY6"/>
+              </a:cxn>
+              <a:cxn ang="0">
+                <a:pos x="connsiteX7" y="connsiteY7"/>
+              </a:cxn>
+              <a:cxn ang="0">
+                <a:pos x="connsiteX8" y="connsiteY8"/>
+              </a:cxn>
+              <a:cxn ang="0">
+                <a:pos x="connsiteX9" y="connsiteY9"/>
+              </a:cxn>
+              <a:cxn ang="0">
+                <a:pos x="connsiteX10" y="connsiteY10"/>
+              </a:cxn>
+              <a:cxn ang="0">
+                <a:pos x="connsiteX11" y="connsiteY11"/>
+              </a:cxn>
+              <a:cxn ang="0">
+                <a:pos x="connsiteX12" y="connsiteY12"/>
+              </a:cxn>
+              <a:cxn ang="0">
+                <a:pos x="connsiteX13" y="connsiteY13"/>
+              </a:cxn>
+              <a:cxn ang="0">
+                <a:pos x="connsiteX14" y="connsiteY14"/>
+              </a:cxn>
+              <a:cxn ang="0">
+                <a:pos x="connsiteX15" y="connsiteY15"/>
+              </a:cxn>
+              <a:cxn ang="0">
+                <a:pos x="connsiteX16" y="connsiteY16"/>
+              </a:cxn>
+            </a:cxnLst>
+            <a:rect l="l" t="t" r="r" b="b"/>
+            <a:pathLst>
+              <a:path w="4480560" h="18288" fill="none" extrusionOk="0">
+                <a:moveTo>
+                  <a:pt x="0" y="0"/>
+                </a:moveTo>
+                <a:cubicBezTo>
+                  <a:pt x="267821" y="8731"/>
+                  <a:pt x="334105" y="2629"/>
+                  <a:pt x="595274" y="0"/>
+                </a:cubicBezTo>
+                <a:cubicBezTo>
+                  <a:pt x="856443" y="-2629"/>
+                  <a:pt x="863808" y="-13353"/>
+                  <a:pt x="1100938" y="0"/>
+                </a:cubicBezTo>
+                <a:cubicBezTo>
+                  <a:pt x="1338068" y="13353"/>
+                  <a:pt x="1431663" y="-25862"/>
+                  <a:pt x="1651406" y="0"/>
+                </a:cubicBezTo>
+                <a:cubicBezTo>
+                  <a:pt x="1871149" y="25862"/>
+                  <a:pt x="2173163" y="23827"/>
+                  <a:pt x="2336292" y="0"/>
+                </a:cubicBezTo>
+                <a:cubicBezTo>
+                  <a:pt x="2499421" y="-23827"/>
+                  <a:pt x="2720589" y="28148"/>
+                  <a:pt x="2931566" y="0"/>
+                </a:cubicBezTo>
+                <a:cubicBezTo>
+                  <a:pt x="3142543" y="-28148"/>
+                  <a:pt x="3323630" y="27022"/>
+                  <a:pt x="3482035" y="0"/>
+                </a:cubicBezTo>
+                <a:cubicBezTo>
+                  <a:pt x="3640440" y="-27022"/>
+                  <a:pt x="4012110" y="-20118"/>
+                  <a:pt x="4480560" y="0"/>
+                </a:cubicBezTo>
+                <a:cubicBezTo>
+                  <a:pt x="4480958" y="7429"/>
+                  <a:pt x="4480540" y="10822"/>
+                  <a:pt x="4480560" y="18288"/>
+                </a:cubicBezTo>
+                <a:cubicBezTo>
+                  <a:pt x="4314132" y="14924"/>
+                  <a:pt x="4028383" y="36632"/>
+                  <a:pt x="3840480" y="18288"/>
+                </a:cubicBezTo>
+                <a:cubicBezTo>
+                  <a:pt x="3652577" y="-56"/>
+                  <a:pt x="3547615" y="2848"/>
+                  <a:pt x="3290011" y="18288"/>
+                </a:cubicBezTo>
+                <a:cubicBezTo>
+                  <a:pt x="3032407" y="33728"/>
+                  <a:pt x="2830268" y="8719"/>
+                  <a:pt x="2560320" y="18288"/>
+                </a:cubicBezTo>
+                <a:cubicBezTo>
+                  <a:pt x="2290372" y="27857"/>
+                  <a:pt x="2147422" y="6728"/>
+                  <a:pt x="1965046" y="18288"/>
+                </a:cubicBezTo>
+                <a:cubicBezTo>
+                  <a:pt x="1782670" y="29848"/>
+                  <a:pt x="1689791" y="40680"/>
+                  <a:pt x="1459382" y="18288"/>
+                </a:cubicBezTo>
+                <a:cubicBezTo>
+                  <a:pt x="1228973" y="-4104"/>
+                  <a:pt x="915486" y="36501"/>
+                  <a:pt x="774497" y="18288"/>
+                </a:cubicBezTo>
+                <a:cubicBezTo>
+                  <a:pt x="633508" y="75"/>
+                  <a:pt x="361442" y="-11107"/>
+                  <a:pt x="0" y="18288"/>
+                </a:cubicBezTo>
+                <a:cubicBezTo>
+                  <a:pt x="-591" y="13205"/>
+                  <a:pt x="-663" y="6329"/>
+                  <a:pt x="0" y="0"/>
+                </a:cubicBezTo>
+                <a:close/>
+              </a:path>
+              <a:path w="4480560" h="18288" stroke="0" extrusionOk="0">
+                <a:moveTo>
+                  <a:pt x="0" y="0"/>
+                </a:moveTo>
+                <a:cubicBezTo>
+                  <a:pt x="285465" y="225"/>
+                  <a:pt x="322691" y="16223"/>
+                  <a:pt x="595274" y="0"/>
+                </a:cubicBezTo>
+                <a:cubicBezTo>
+                  <a:pt x="867857" y="-16223"/>
+                  <a:pt x="989129" y="-11242"/>
+                  <a:pt x="1100938" y="0"/>
+                </a:cubicBezTo>
+                <a:cubicBezTo>
+                  <a:pt x="1212747" y="11242"/>
+                  <a:pt x="1574350" y="-36410"/>
+                  <a:pt x="1830629" y="0"/>
+                </a:cubicBezTo>
+                <a:cubicBezTo>
+                  <a:pt x="2086908" y="36410"/>
+                  <a:pt x="2180922" y="4645"/>
+                  <a:pt x="2425903" y="0"/>
+                </a:cubicBezTo>
+                <a:cubicBezTo>
+                  <a:pt x="2670884" y="-4645"/>
+                  <a:pt x="2782024" y="22929"/>
+                  <a:pt x="3021178" y="0"/>
+                </a:cubicBezTo>
+                <a:cubicBezTo>
+                  <a:pt x="3260332" y="-22929"/>
+                  <a:pt x="3456982" y="-1586"/>
+                  <a:pt x="3750869" y="0"/>
+                </a:cubicBezTo>
+                <a:cubicBezTo>
+                  <a:pt x="4044756" y="1586"/>
+                  <a:pt x="4302726" y="17043"/>
+                  <a:pt x="4480560" y="0"/>
+                </a:cubicBezTo>
+                <a:cubicBezTo>
+                  <a:pt x="4479674" y="5429"/>
+                  <a:pt x="4481381" y="14046"/>
+                  <a:pt x="4480560" y="18288"/>
+                </a:cubicBezTo>
+                <a:cubicBezTo>
+                  <a:pt x="4279652" y="-6850"/>
+                  <a:pt x="4200762" y="41566"/>
+                  <a:pt x="3930091" y="18288"/>
+                </a:cubicBezTo>
+                <a:cubicBezTo>
+                  <a:pt x="3659420" y="-4990"/>
+                  <a:pt x="3456052" y="22294"/>
+                  <a:pt x="3290011" y="18288"/>
+                </a:cubicBezTo>
+                <a:cubicBezTo>
+                  <a:pt x="3123970" y="14282"/>
+                  <a:pt x="2882392" y="32818"/>
+                  <a:pt x="2649931" y="18288"/>
+                </a:cubicBezTo>
+                <a:cubicBezTo>
+                  <a:pt x="2417470" y="3758"/>
+                  <a:pt x="2238426" y="7337"/>
+                  <a:pt x="2054657" y="18288"/>
+                </a:cubicBezTo>
+                <a:cubicBezTo>
+                  <a:pt x="1870888" y="29239"/>
+                  <a:pt x="1566368" y="45040"/>
+                  <a:pt x="1324966" y="18288"/>
+                </a:cubicBezTo>
+                <a:cubicBezTo>
+                  <a:pt x="1083564" y="-8464"/>
+                  <a:pt x="787410" y="10946"/>
+                  <a:pt x="595274" y="18288"/>
+                </a:cubicBezTo>
+                <a:cubicBezTo>
+                  <a:pt x="403138" y="25630"/>
+                  <a:pt x="169622" y="10499"/>
+                  <a:pt x="0" y="18288"/>
+                </a:cubicBezTo>
+                <a:cubicBezTo>
+                  <a:pt x="668" y="13665"/>
+                  <a:pt x="578" y="5675"/>
+                  <a:pt x="0" y="0"/>
+                </a:cubicBezTo>
+                <a:close/>
+              </a:path>
+            </a:pathLst>
+          </a:custGeom>
+          <a:solidFill>
+            <a:schemeClr val="accent2"/>
+          </a:solidFill>
+          <a:ln w="41275" cap="rnd">
+            <a:solidFill>
+              <a:schemeClr val="accent2"/>
+            </a:solidFill>
+            <a:round/>
+            <a:extLst>
+              <a:ext uri="{C807C97D-BFC1-408E-A445-0C87EB9F89A2}">
+                <ask:lineSketchStyleProps xmlns:ask="http://schemas.microsoft.com/office/drawing/2018/sketchyshapes" sd="1219033472">
+                  <a:prstGeom prst="rect">
+                    <a:avLst/>
+                  </a:prstGeom>
+                  <ask:type>
+                    <ask:lineSketchFreehand/>
+                  </ask:type>
+                </ask:lineSketchStyleProps>
+              </a:ext>
+            </a:extLst>
+          </a:ln>
+        </p:spPr>
+        <p:style>
+          <a:lnRef idx="2">
+            <a:schemeClr val="accent1">
+              <a:shade val="50000"/>
+            </a:schemeClr>
+          </a:lnRef>
+          <a:fillRef idx="1">
+            <a:schemeClr val="accent1"/>
+          </a:fillRef>
+          <a:effectRef idx="0">
+            <a:schemeClr val="accent1"/>
+          </a:effectRef>
+          <a:fontRef idx="minor">
+            <a:schemeClr val="lt1"/>
+          </a:fontRef>
+        </p:style>
+        <p:txBody>
+          <a:bodyPr rtlCol="0" anchor="ctr"/>
+          <a:lstStyle/>
+          <a:p>
+            <a:pPr algn="ctr"/>
+            <a:endParaRPr lang="en-US"/>
           </a:p>
         </p:txBody>
       </p:sp>
@@ -5533,7 +6761,7 @@
           <p:cNvPr id="3" name="Content Placeholder 2">
             <a:extLst>
               <a:ext uri="{FF2B5EF4-FFF2-40B4-BE49-F238E27FC236}">
-                <a16:creationId xmlns:a16="http://schemas.microsoft.com/office/drawing/2014/main" id="{A0A0BD67-D3FC-4880-BEA3-E7CCDA17E8D2}"/>
+                <a16:creationId xmlns:a16="http://schemas.microsoft.com/office/drawing/2014/main" id="{313FECC5-1B30-4D79-9745-AF64950B7833}"/>
               </a:ext>
             </a:extLst>
           </p:cNvPr>
@@ -5544,32 +6772,173 @@
             <p:ph idx="1"/>
           </p:nvPr>
         </p:nvSpPr>
-        <p:spPr/>
-        <p:txBody>
-          <a:bodyPr/>
+        <p:spPr>
+          <a:xfrm>
+            <a:off x="5126418" y="552091"/>
+            <a:ext cx="6224335" cy="5431536"/>
+          </a:xfrm>
+        </p:spPr>
+        <p:txBody>
+          <a:bodyPr anchor="ctr">
+            <a:normAutofit/>
+          </a:bodyPr>
           <a:lstStyle/>
           <a:p>
             <a:r>
-              <a:rPr lang="en-US" dirty="0"/>
-              <a:t>Each team has 15 mins + 5 mins Q&amp;A</a:t>
-            </a:r>
-          </a:p>
-          <a:p>
+              <a:rPr lang="en-US" sz="2200" dirty="0">
+                <a:hlinkClick r:id="rId3"/>
+              </a:rPr>
+              <a:t>Pointers on Presentation</a:t>
+            </a:r>
+            <a:endParaRPr lang="en-US" sz="2200" dirty="0"/>
+          </a:p>
+          <a:p>
+            <a:r>
+              <a:rPr lang="en-US" sz="2200" dirty="0"/>
+              <a:t>Format: PowerPoint (recommended), Google Slides, Prezi</a:t>
+            </a:r>
+          </a:p>
+          <a:p>
+            <a:r>
+              <a:rPr lang="en-US" sz="2200" dirty="0"/>
+              <a:t>No back monitor (to resemble a business setting)</a:t>
+            </a:r>
+          </a:p>
+          <a:p>
+            <a:r>
+              <a:rPr lang="en-US" sz="2200" dirty="0">
+                <a:hlinkClick r:id="rId4"/>
+              </a:rPr>
+              <a:t>Slide tips </a:t>
+            </a:r>
+            <a:endParaRPr lang="en-US" sz="2200" dirty="0"/>
+          </a:p>
+          <a:p>
+            <a:r>
+              <a:rPr lang="en-US" sz="2200" dirty="0">
+                <a:hlinkClick r:id="rId5"/>
+              </a:rPr>
+              <a:t>Sample Slides</a:t>
+            </a:r>
+            <a:endParaRPr lang="en-US" sz="2200" dirty="0"/>
+          </a:p>
+          <a:p>
+            <a:r>
+              <a:rPr lang="en-US" sz="2200" dirty="0"/>
+              <a:t>Time: 15 minutes (under or over = 1 point deduction)</a:t>
+            </a:r>
+          </a:p>
+          <a:p>
+            <a:r>
+              <a:rPr lang="en-US" sz="2200" dirty="0"/>
+              <a:t>Q&amp;A: 5 minutes</a:t>
+            </a:r>
+          </a:p>
+          <a:p>
+            <a:r>
+              <a:rPr lang="en-US" sz="2200" dirty="0"/>
+              <a:t>Grade is based on </a:t>
+            </a:r>
+            <a:r>
+              <a:rPr lang="en-US" sz="2200" dirty="0">
+                <a:hlinkClick r:id="rId6"/>
+              </a:rPr>
+              <a:t>Presentation Evaluation Form</a:t>
+            </a:r>
+            <a:endParaRPr lang="en-US" sz="2200" dirty="0"/>
+          </a:p>
+        </p:txBody>
+      </p:sp>
+      <p:sp>
+        <p:nvSpPr>
+          <p:cNvPr id="4" name="Footer Placeholder 3">
+            <a:extLst>
+              <a:ext uri="{FF2B5EF4-FFF2-40B4-BE49-F238E27FC236}">
+                <a16:creationId xmlns:a16="http://schemas.microsoft.com/office/drawing/2014/main" id="{B887EA9D-0A8F-4EA4-923A-371FEF80F794}"/>
+              </a:ext>
+            </a:extLst>
+          </p:cNvPr>
+          <p:cNvSpPr>
+            <a:spLocks noGrp="1"/>
+          </p:cNvSpPr>
+          <p:nvPr>
+            <p:ph type="ftr" sz="quarter" idx="11"/>
+          </p:nvPr>
+        </p:nvSpPr>
+        <p:spPr>
+          <a:xfrm>
+            <a:off x="4038600" y="6356350"/>
+            <a:ext cx="4114800" cy="365125"/>
+          </a:xfrm>
+        </p:spPr>
+        <p:txBody>
+          <a:bodyPr>
+            <a:normAutofit/>
+          </a:bodyPr>
+          <a:lstStyle/>
+          <a:p>
+            <a:pPr>
+              <a:spcAft>
+                <a:spcPts val="600"/>
+              </a:spcAft>
+            </a:pPr>
             <a:r>
               <a:rPr lang="en-US"/>
-              <a:t>Order</a:t>
-            </a:r>
-          </a:p>
-          <a:p>
-            <a:pPr lvl="1"/>
-            <a:endParaRPr lang="en-US" dirty="0"/>
+              <a:t>Mike Nguyen</a:t>
+            </a:r>
+          </a:p>
+        </p:txBody>
+      </p:sp>
+      <p:sp>
+        <p:nvSpPr>
+          <p:cNvPr id="5" name="Slide Number Placeholder 4">
+            <a:extLst>
+              <a:ext uri="{FF2B5EF4-FFF2-40B4-BE49-F238E27FC236}">
+                <a16:creationId xmlns:a16="http://schemas.microsoft.com/office/drawing/2014/main" id="{4AEEB6E9-D6DE-4484-B0E0-6FE178C8281C}"/>
+              </a:ext>
+            </a:extLst>
+          </p:cNvPr>
+          <p:cNvSpPr>
+            <a:spLocks noGrp="1"/>
+          </p:cNvSpPr>
+          <p:nvPr>
+            <p:ph type="sldNum" sz="quarter" idx="12"/>
+          </p:nvPr>
+        </p:nvSpPr>
+        <p:spPr>
+          <a:xfrm>
+            <a:off x="8610600" y="6356350"/>
+            <a:ext cx="2743200" cy="365125"/>
+          </a:xfrm>
+        </p:spPr>
+        <p:txBody>
+          <a:bodyPr>
+            <a:normAutofit/>
+          </a:bodyPr>
+          <a:lstStyle/>
+          <a:p>
+            <a:pPr>
+              <a:spcAft>
+                <a:spcPts val="600"/>
+              </a:spcAft>
+            </a:pPr>
+            <a:fld id="{A6AF1B4E-90EC-4A51-B6E5-B702C054ECB0}" type="slidenum">
+              <a:rPr lang="en-US" smtClean="0"/>
+              <a:pPr>
+                <a:spcAft>
+                  <a:spcPts val="600"/>
+                </a:spcAft>
+              </a:pPr>
+              <a:t>3</a:t>
+            </a:fld>
+            <a:endParaRPr lang="en-US"/>
           </a:p>
         </p:txBody>
       </p:sp>
     </p:spTree>
     <p:extLst>
       <p:ext uri="{BB962C8B-B14F-4D97-AF65-F5344CB8AC3E}">
-        <p14:creationId xmlns:p14="http://schemas.microsoft.com/office/powerpoint/2010/main" val="1775833433"/>
+        <p14:creationId xmlns:p14="http://schemas.microsoft.com/office/powerpoint/2010/main" val="3702273912"/>
       </p:ext>
     </p:extLst>
   </p:cSld>
